--- a/PROJECT 1 PPT.pptx
+++ b/PROJECT 1 PPT.pptx
@@ -16,6 +16,20 @@
   </p:sldIdLst>
   <p:sldSz cx="12192000" cy="6858000"/>
   <p:notesSz cx="6858000" cy="9144000"/>
+  <p:custShowLst>
+    <p:custShow name="Custom Show 1" id="0">
+      <p:sldLst>
+        <p:sld r:id="rId2"/>
+        <p:sld r:id="rId3"/>
+        <p:sld r:id="rId4"/>
+        <p:sld r:id="rId5"/>
+        <p:sld r:id="rId6"/>
+        <p:sld r:id="rId7"/>
+        <p:sld r:id="rId8"/>
+        <p:sld r:id="rId9"/>
+      </p:sldLst>
+    </p:custShow>
+  </p:custShowLst>
   <p:defaultTextStyle>
     <a:defPPr>
       <a:defRPr lang="en-US"/>
@@ -352,6 +366,28 @@
   <p:clrMapOvr>
     <a:masterClrMapping/>
   </p:clrMapOvr>
+  <mc:AlternateContent xmlns:mc="http://schemas.openxmlformats.org/markup-compatibility/2006">
+    <mc:Choice xmlns:p15="http://schemas.microsoft.com/office/powerpoint/2012/main" Requires="p15">
+      <p:transition xmlns:p14="http://schemas.microsoft.com/office/powerpoint/2010/main" p14:dur="250" advTm="1000">
+        <p15:prstTrans prst="peelOff"/>
+        <p:sndAc>
+          <p:stSnd>
+            <p:snd r:embed="rId1" name="breeze.wav"/>
+          </p:stSnd>
+        </p:sndAc>
+      </p:transition>
+    </mc:Choice>
+    <mc:Fallback>
+      <p:transition advTm="1000">
+        <p:fade/>
+        <p:sndAc>
+          <p:stSnd>
+            <p:snd r:embed="rId1" name="breeze.wav"/>
+          </p:stSnd>
+        </p:sndAc>
+      </p:transition>
+    </mc:Fallback>
+  </mc:AlternateContent>
 </p:sldLayout>
 </file>
 
@@ -553,6 +589,28 @@
   <p:clrMapOvr>
     <a:masterClrMapping/>
   </p:clrMapOvr>
+  <mc:AlternateContent xmlns:mc="http://schemas.openxmlformats.org/markup-compatibility/2006">
+    <mc:Choice xmlns:p15="http://schemas.microsoft.com/office/powerpoint/2012/main" Requires="p15">
+      <p:transition xmlns:p14="http://schemas.microsoft.com/office/powerpoint/2010/main" p14:dur="250" advTm="1000">
+        <p15:prstTrans prst="peelOff"/>
+        <p:sndAc>
+          <p:stSnd>
+            <p:snd r:embed="rId1" name="breeze.wav"/>
+          </p:stSnd>
+        </p:sndAc>
+      </p:transition>
+    </mc:Choice>
+    <mc:Fallback>
+      <p:transition advTm="1000">
+        <p:fade/>
+        <p:sndAc>
+          <p:stSnd>
+            <p:snd r:embed="rId1" name="breeze.wav"/>
+          </p:stSnd>
+        </p:sndAc>
+      </p:transition>
+    </mc:Fallback>
+  </mc:AlternateContent>
 </p:sldLayout>
 </file>
 
@@ -768,6 +826,28 @@
   <p:clrMapOvr>
     <a:masterClrMapping/>
   </p:clrMapOvr>
+  <mc:AlternateContent xmlns:mc="http://schemas.openxmlformats.org/markup-compatibility/2006">
+    <mc:Choice xmlns:p15="http://schemas.microsoft.com/office/powerpoint/2012/main" Requires="p15">
+      <p:transition xmlns:p14="http://schemas.microsoft.com/office/powerpoint/2010/main" p14:dur="250" advTm="1000">
+        <p15:prstTrans prst="peelOff"/>
+        <p:sndAc>
+          <p:stSnd>
+            <p:snd r:embed="rId1" name="breeze.wav"/>
+          </p:stSnd>
+        </p:sndAc>
+      </p:transition>
+    </mc:Choice>
+    <mc:Fallback>
+      <p:transition advTm="1000">
+        <p:fade/>
+        <p:sndAc>
+          <p:stSnd>
+            <p:snd r:embed="rId1" name="breeze.wav"/>
+          </p:stSnd>
+        </p:sndAc>
+      </p:transition>
+    </mc:Fallback>
+  </mc:AlternateContent>
 </p:sldLayout>
 </file>
 
@@ -969,6 +1049,28 @@
   <p:clrMapOvr>
     <a:masterClrMapping/>
   </p:clrMapOvr>
+  <mc:AlternateContent xmlns:mc="http://schemas.openxmlformats.org/markup-compatibility/2006">
+    <mc:Choice xmlns:p15="http://schemas.microsoft.com/office/powerpoint/2012/main" Requires="p15">
+      <p:transition xmlns:p14="http://schemas.microsoft.com/office/powerpoint/2010/main" p14:dur="250" advTm="1000">
+        <p15:prstTrans prst="peelOff"/>
+        <p:sndAc>
+          <p:stSnd>
+            <p:snd r:embed="rId1" name="breeze.wav"/>
+          </p:stSnd>
+        </p:sndAc>
+      </p:transition>
+    </mc:Choice>
+    <mc:Fallback>
+      <p:transition advTm="1000">
+        <p:fade/>
+        <p:sndAc>
+          <p:stSnd>
+            <p:snd r:embed="rId1" name="breeze.wav"/>
+          </p:stSnd>
+        </p:sndAc>
+      </p:transition>
+    </mc:Fallback>
+  </mc:AlternateContent>
 </p:sldLayout>
 </file>
 
@@ -1248,6 +1350,28 @@
   <p:clrMapOvr>
     <a:masterClrMapping/>
   </p:clrMapOvr>
+  <mc:AlternateContent xmlns:mc="http://schemas.openxmlformats.org/markup-compatibility/2006">
+    <mc:Choice xmlns:p15="http://schemas.microsoft.com/office/powerpoint/2012/main" Requires="p15">
+      <p:transition xmlns:p14="http://schemas.microsoft.com/office/powerpoint/2010/main" p14:dur="250" advTm="1000">
+        <p15:prstTrans prst="peelOff"/>
+        <p:sndAc>
+          <p:stSnd>
+            <p:snd r:embed="rId1" name="breeze.wav"/>
+          </p:stSnd>
+        </p:sndAc>
+      </p:transition>
+    </mc:Choice>
+    <mc:Fallback>
+      <p:transition advTm="1000">
+        <p:fade/>
+        <p:sndAc>
+          <p:stSnd>
+            <p:snd r:embed="rId1" name="breeze.wav"/>
+          </p:stSnd>
+        </p:sndAc>
+      </p:transition>
+    </mc:Fallback>
+  </mc:AlternateContent>
 </p:sldLayout>
 </file>
 
@@ -1516,6 +1640,28 @@
   <p:clrMapOvr>
     <a:masterClrMapping/>
   </p:clrMapOvr>
+  <mc:AlternateContent xmlns:mc="http://schemas.openxmlformats.org/markup-compatibility/2006">
+    <mc:Choice xmlns:p15="http://schemas.microsoft.com/office/powerpoint/2012/main" Requires="p15">
+      <p:transition xmlns:p14="http://schemas.microsoft.com/office/powerpoint/2010/main" p14:dur="250" advTm="1000">
+        <p15:prstTrans prst="peelOff"/>
+        <p:sndAc>
+          <p:stSnd>
+            <p:snd r:embed="rId1" name="breeze.wav"/>
+          </p:stSnd>
+        </p:sndAc>
+      </p:transition>
+    </mc:Choice>
+    <mc:Fallback>
+      <p:transition advTm="1000">
+        <p:fade/>
+        <p:sndAc>
+          <p:stSnd>
+            <p:snd r:embed="rId1" name="breeze.wav"/>
+          </p:stSnd>
+        </p:sndAc>
+      </p:transition>
+    </mc:Fallback>
+  </mc:AlternateContent>
 </p:sldLayout>
 </file>
 
@@ -1932,6 +2078,28 @@
   <p:clrMapOvr>
     <a:masterClrMapping/>
   </p:clrMapOvr>
+  <mc:AlternateContent xmlns:mc="http://schemas.openxmlformats.org/markup-compatibility/2006">
+    <mc:Choice xmlns:p15="http://schemas.microsoft.com/office/powerpoint/2012/main" Requires="p15">
+      <p:transition xmlns:p14="http://schemas.microsoft.com/office/powerpoint/2010/main" p14:dur="250" advTm="1000">
+        <p15:prstTrans prst="peelOff"/>
+        <p:sndAc>
+          <p:stSnd>
+            <p:snd r:embed="rId1" name="breeze.wav"/>
+          </p:stSnd>
+        </p:sndAc>
+      </p:transition>
+    </mc:Choice>
+    <mc:Fallback>
+      <p:transition advTm="1000">
+        <p:fade/>
+        <p:sndAc>
+          <p:stSnd>
+            <p:snd r:embed="rId1" name="breeze.wav"/>
+          </p:stSnd>
+        </p:sndAc>
+      </p:transition>
+    </mc:Fallback>
+  </mc:AlternateContent>
 </p:sldLayout>
 </file>
 
@@ -2081,6 +2249,28 @@
   <p:clrMapOvr>
     <a:masterClrMapping/>
   </p:clrMapOvr>
+  <mc:AlternateContent xmlns:mc="http://schemas.openxmlformats.org/markup-compatibility/2006">
+    <mc:Choice xmlns:p15="http://schemas.microsoft.com/office/powerpoint/2012/main" Requires="p15">
+      <p:transition xmlns:p14="http://schemas.microsoft.com/office/powerpoint/2010/main" p14:dur="250" advTm="1000">
+        <p15:prstTrans prst="peelOff"/>
+        <p:sndAc>
+          <p:stSnd>
+            <p:snd r:embed="rId1" name="breeze.wav"/>
+          </p:stSnd>
+        </p:sndAc>
+      </p:transition>
+    </mc:Choice>
+    <mc:Fallback>
+      <p:transition advTm="1000">
+        <p:fade/>
+        <p:sndAc>
+          <p:stSnd>
+            <p:snd r:embed="rId1" name="breeze.wav"/>
+          </p:stSnd>
+        </p:sndAc>
+      </p:transition>
+    </mc:Fallback>
+  </mc:AlternateContent>
 </p:sldLayout>
 </file>
 
@@ -2176,6 +2366,28 @@
   <p:clrMapOvr>
     <a:masterClrMapping/>
   </p:clrMapOvr>
+  <mc:AlternateContent xmlns:mc="http://schemas.openxmlformats.org/markup-compatibility/2006">
+    <mc:Choice xmlns:p15="http://schemas.microsoft.com/office/powerpoint/2012/main" Requires="p15">
+      <p:transition xmlns:p14="http://schemas.microsoft.com/office/powerpoint/2010/main" p14:dur="250" advTm="1000">
+        <p15:prstTrans prst="peelOff"/>
+        <p:sndAc>
+          <p:stSnd>
+            <p:snd r:embed="rId1" name="breeze.wav"/>
+          </p:stSnd>
+        </p:sndAc>
+      </p:transition>
+    </mc:Choice>
+    <mc:Fallback>
+      <p:transition advTm="1000">
+        <p:fade/>
+        <p:sndAc>
+          <p:stSnd>
+            <p:snd r:embed="rId1" name="breeze.wav"/>
+          </p:stSnd>
+        </p:sndAc>
+      </p:transition>
+    </mc:Fallback>
+  </mc:AlternateContent>
 </p:sldLayout>
 </file>
 
@@ -2458,6 +2670,28 @@
   <p:clrMapOvr>
     <a:masterClrMapping/>
   </p:clrMapOvr>
+  <mc:AlternateContent xmlns:mc="http://schemas.openxmlformats.org/markup-compatibility/2006">
+    <mc:Choice xmlns:p15="http://schemas.microsoft.com/office/powerpoint/2012/main" Requires="p15">
+      <p:transition xmlns:p14="http://schemas.microsoft.com/office/powerpoint/2010/main" p14:dur="250" advTm="1000">
+        <p15:prstTrans prst="peelOff"/>
+        <p:sndAc>
+          <p:stSnd>
+            <p:snd r:embed="rId1" name="breeze.wav"/>
+          </p:stSnd>
+        </p:sndAc>
+      </p:transition>
+    </mc:Choice>
+    <mc:Fallback>
+      <p:transition advTm="1000">
+        <p:fade/>
+        <p:sndAc>
+          <p:stSnd>
+            <p:snd r:embed="rId1" name="breeze.wav"/>
+          </p:stSnd>
+        </p:sndAc>
+      </p:transition>
+    </mc:Fallback>
+  </mc:AlternateContent>
 </p:sldLayout>
 </file>
 
@@ -2908,6 +3142,28 @@
   <p:clrMapOvr>
     <a:masterClrMapping/>
   </p:clrMapOvr>
+  <mc:AlternateContent xmlns:mc="http://schemas.openxmlformats.org/markup-compatibility/2006">
+    <mc:Choice xmlns:p15="http://schemas.microsoft.com/office/powerpoint/2012/main" Requires="p15">
+      <p:transition xmlns:p14="http://schemas.microsoft.com/office/powerpoint/2010/main" p14:dur="250" advTm="1000">
+        <p15:prstTrans prst="peelOff"/>
+        <p:sndAc>
+          <p:stSnd>
+            <p:snd r:embed="rId1" name="breeze.wav"/>
+          </p:stSnd>
+        </p:sndAc>
+      </p:transition>
+    </mc:Choice>
+    <mc:Fallback>
+      <p:transition advTm="1000">
+        <p:fade/>
+        <p:sndAc>
+          <p:stSnd>
+            <p:snd r:embed="rId1" name="breeze.wav"/>
+          </p:stSnd>
+        </p:sndAc>
+      </p:transition>
+    </mc:Fallback>
+  </mc:AlternateContent>
 </p:sldLayout>
 </file>
 
@@ -2991,7 +3247,7 @@
           <p:nvPr/>
         </p:nvPicPr>
         <p:blipFill rotWithShape="1">
-          <a:blip r:embed="rId13">
+          <a:blip r:embed="rId14">
             <a:extLst>
               <a:ext uri="{28A0092B-C50C-407E-A947-70E740481C1C}">
                 <a14:useLocalDpi xmlns:a14="http://schemas.microsoft.com/office/drawing/2010/main" val="0"/>
@@ -3280,6 +3536,28 @@
     <p:sldLayoutId id="2147483735" r:id="rId10"/>
     <p:sldLayoutId id="2147483736" r:id="rId11"/>
   </p:sldLayoutIdLst>
+  <mc:AlternateContent xmlns:mc="http://schemas.openxmlformats.org/markup-compatibility/2006">
+    <mc:Choice xmlns:p15="http://schemas.microsoft.com/office/powerpoint/2012/main" Requires="p15">
+      <p:transition xmlns:p14="http://schemas.microsoft.com/office/powerpoint/2010/main" p14:dur="250" advTm="1000">
+        <p15:prstTrans prst="peelOff"/>
+        <p:sndAc>
+          <p:stSnd>
+            <p:snd r:embed="rId13" name="breeze.wav"/>
+          </p:stSnd>
+        </p:sndAc>
+      </p:transition>
+    </mc:Choice>
+    <mc:Fallback>
+      <p:transition advTm="1000">
+        <p:fade/>
+        <p:sndAc>
+          <p:stSnd>
+            <p:snd r:embed="rId13" name="breeze.wav"/>
+          </p:stSnd>
+        </p:sndAc>
+      </p:transition>
+    </mc:Fallback>
+  </mc:AlternateContent>
   <p:txStyles>
     <p:titleStyle>
       <a:lvl1pPr algn="l" defTabSz="914400" rtl="0" eaLnBrk="1" latinLnBrk="0" hangingPunct="1">
@@ -3709,7 +3987,7 @@
           <p:nvPr/>
         </p:nvPicPr>
         <p:blipFill>
-          <a:blip r:embed="rId2">
+          <a:blip r:embed="rId3">
             <a:extLst>
               <a:ext uri="{28A0092B-C50C-407E-A947-70E740481C1C}">
                 <a14:useLocalDpi xmlns:a14="http://schemas.microsoft.com/office/drawing/2010/main" val="0"/>
@@ -3740,6 +4018,28 @@
   <p:clrMapOvr>
     <a:masterClrMapping/>
   </p:clrMapOvr>
+  <mc:AlternateContent xmlns:mc="http://schemas.openxmlformats.org/markup-compatibility/2006">
+    <mc:Choice xmlns:p15="http://schemas.microsoft.com/office/powerpoint/2012/main" Requires="p15">
+      <p:transition xmlns:p14="http://schemas.microsoft.com/office/powerpoint/2010/main" p14:dur="250" advTm="5518">
+        <p15:prstTrans prst="peelOff"/>
+        <p:sndAc>
+          <p:stSnd>
+            <p:snd r:embed="rId2" name="breeze.wav"/>
+          </p:stSnd>
+        </p:sndAc>
+      </p:transition>
+    </mc:Choice>
+    <mc:Fallback>
+      <p:transition advTm="5518">
+        <p:fade/>
+        <p:sndAc>
+          <p:stSnd>
+            <p:snd r:embed="rId2" name="breeze.wav"/>
+          </p:stSnd>
+        </p:sndAc>
+      </p:transition>
+    </mc:Fallback>
+  </mc:AlternateContent>
 </p:sld>
 </file>
 
@@ -3848,6 +4148,28 @@
   <p:clrMapOvr>
     <a:masterClrMapping/>
   </p:clrMapOvr>
+  <mc:AlternateContent xmlns:mc="http://schemas.openxmlformats.org/markup-compatibility/2006">
+    <mc:Choice xmlns:p15="http://schemas.microsoft.com/office/powerpoint/2012/main" Requires="p15">
+      <p:transition xmlns:p14="http://schemas.microsoft.com/office/powerpoint/2010/main" p14:dur="250" advTm="6080">
+        <p15:prstTrans prst="peelOff"/>
+        <p:sndAc>
+          <p:stSnd>
+            <p:snd r:embed="rId2" name="breeze.wav"/>
+          </p:stSnd>
+        </p:sndAc>
+      </p:transition>
+    </mc:Choice>
+    <mc:Fallback>
+      <p:transition advTm="6080">
+        <p:fade/>
+        <p:sndAc>
+          <p:stSnd>
+            <p:snd r:embed="rId2" name="breeze.wav"/>
+          </p:stSnd>
+        </p:sndAc>
+      </p:transition>
+    </mc:Fallback>
+  </mc:AlternateContent>
 </p:sld>
 </file>
 
@@ -3965,6 +4287,28 @@
   <p:clrMapOvr>
     <a:masterClrMapping/>
   </p:clrMapOvr>
+  <mc:AlternateContent xmlns:mc="http://schemas.openxmlformats.org/markup-compatibility/2006">
+    <mc:Choice xmlns:p15="http://schemas.microsoft.com/office/powerpoint/2012/main" Requires="p15">
+      <p:transition xmlns:p14="http://schemas.microsoft.com/office/powerpoint/2010/main" p14:dur="250" advTm="6140">
+        <p15:prstTrans prst="peelOff"/>
+        <p:sndAc>
+          <p:stSnd>
+            <p:snd r:embed="rId2" name="breeze.wav"/>
+          </p:stSnd>
+        </p:sndAc>
+      </p:transition>
+    </mc:Choice>
+    <mc:Fallback>
+      <p:transition advTm="6140">
+        <p:fade/>
+        <p:sndAc>
+          <p:stSnd>
+            <p:snd r:embed="rId2" name="breeze.wav"/>
+          </p:stSnd>
+        </p:sndAc>
+      </p:transition>
+    </mc:Fallback>
+  </mc:AlternateContent>
 </p:sld>
 </file>
 
@@ -4084,7 +4428,7 @@
           <p:nvPr/>
         </p:nvPicPr>
         <p:blipFill>
-          <a:blip r:embed="rId2">
+          <a:blip r:embed="rId3">
             <a:extLst>
               <a:ext uri="{28A0092B-C50C-407E-A947-70E740481C1C}">
                 <a14:useLocalDpi xmlns:a14="http://schemas.microsoft.com/office/drawing/2010/main" val="0"/>
@@ -4115,6 +4459,28 @@
   <p:clrMapOvr>
     <a:masterClrMapping/>
   </p:clrMapOvr>
+  <mc:AlternateContent xmlns:mc="http://schemas.openxmlformats.org/markup-compatibility/2006">
+    <mc:Choice xmlns:p15="http://schemas.microsoft.com/office/powerpoint/2012/main" Requires="p15">
+      <p:transition xmlns:p14="http://schemas.microsoft.com/office/powerpoint/2010/main" p14:dur="250" advTm="5756">
+        <p15:prstTrans prst="peelOff"/>
+        <p:sndAc>
+          <p:stSnd>
+            <p:snd r:embed="rId2" name="breeze.wav"/>
+          </p:stSnd>
+        </p:sndAc>
+      </p:transition>
+    </mc:Choice>
+    <mc:Fallback>
+      <p:transition advTm="5756">
+        <p:fade/>
+        <p:sndAc>
+          <p:stSnd>
+            <p:snd r:embed="rId2" name="breeze.wav"/>
+          </p:stSnd>
+        </p:sndAc>
+      </p:transition>
+    </mc:Fallback>
+  </mc:AlternateContent>
 </p:sld>
 </file>
 
@@ -4398,6 +4764,28 @@
   <p:clrMapOvr>
     <a:masterClrMapping/>
   </p:clrMapOvr>
+  <mc:AlternateContent xmlns:mc="http://schemas.openxmlformats.org/markup-compatibility/2006">
+    <mc:Choice xmlns:p15="http://schemas.microsoft.com/office/powerpoint/2012/main" Requires="p15">
+      <p:transition xmlns:p14="http://schemas.microsoft.com/office/powerpoint/2010/main" p14:dur="250" advTm="6585">
+        <p15:prstTrans prst="peelOff"/>
+        <p:sndAc>
+          <p:stSnd>
+            <p:snd r:embed="rId2" name="breeze.wav"/>
+          </p:stSnd>
+        </p:sndAc>
+      </p:transition>
+    </mc:Choice>
+    <mc:Fallback>
+      <p:transition advTm="6585">
+        <p:fade/>
+        <p:sndAc>
+          <p:stSnd>
+            <p:snd r:embed="rId2" name="breeze.wav"/>
+          </p:stSnd>
+        </p:sndAc>
+      </p:transition>
+    </mc:Fallback>
+  </mc:AlternateContent>
 </p:sld>
 </file>
 
@@ -4605,7 +4993,7 @@
           <p:nvPr/>
         </p:nvPicPr>
         <p:blipFill>
-          <a:blip r:embed="rId2">
+          <a:blip r:embed="rId3">
             <a:extLst>
               <a:ext uri="{28A0092B-C50C-407E-A947-70E740481C1C}">
                 <a14:useLocalDpi xmlns:a14="http://schemas.microsoft.com/office/drawing/2010/main" val="0"/>
@@ -4636,6 +5024,28 @@
   <p:clrMapOvr>
     <a:masterClrMapping/>
   </p:clrMapOvr>
+  <mc:AlternateContent xmlns:mc="http://schemas.openxmlformats.org/markup-compatibility/2006">
+    <mc:Choice xmlns:p15="http://schemas.microsoft.com/office/powerpoint/2012/main" Requires="p15">
+      <p:transition xmlns:p14="http://schemas.microsoft.com/office/powerpoint/2010/main" p14:dur="250" advTm="5397">
+        <p15:prstTrans prst="peelOff"/>
+        <p:sndAc>
+          <p:stSnd>
+            <p:snd r:embed="rId2" name="breeze.wav"/>
+          </p:stSnd>
+        </p:sndAc>
+      </p:transition>
+    </mc:Choice>
+    <mc:Fallback>
+      <p:transition advTm="5397">
+        <p:fade/>
+        <p:sndAc>
+          <p:stSnd>
+            <p:snd r:embed="rId2" name="breeze.wav"/>
+          </p:stSnd>
+        </p:sndAc>
+      </p:transition>
+    </mc:Fallback>
+  </mc:AlternateContent>
 </p:sld>
 </file>
 
@@ -4767,6 +5177,28 @@
   <p:clrMapOvr>
     <a:masterClrMapping/>
   </p:clrMapOvr>
+  <mc:AlternateContent xmlns:mc="http://schemas.openxmlformats.org/markup-compatibility/2006">
+    <mc:Choice xmlns:p15="http://schemas.microsoft.com/office/powerpoint/2012/main" Requires="p15">
+      <p:transition xmlns:p14="http://schemas.microsoft.com/office/powerpoint/2010/main" p14:dur="250" advTm="6272">
+        <p15:prstTrans prst="peelOff"/>
+        <p:sndAc>
+          <p:stSnd>
+            <p:snd r:embed="rId2" name="breeze.wav"/>
+          </p:stSnd>
+        </p:sndAc>
+      </p:transition>
+    </mc:Choice>
+    <mc:Fallback>
+      <p:transition advTm="6272">
+        <p:fade/>
+        <p:sndAc>
+          <p:stSnd>
+            <p:snd r:embed="rId2" name="breeze.wav"/>
+          </p:stSnd>
+        </p:sndAc>
+      </p:transition>
+    </mc:Fallback>
+  </mc:AlternateContent>
 </p:sld>
 </file>
 
@@ -4938,7 +5370,7 @@
           <p:nvPr/>
         </p:nvPicPr>
         <p:blipFill>
-          <a:blip r:embed="rId2">
+          <a:blip r:embed="rId3">
             <a:extLst>
               <a:ext uri="{28A0092B-C50C-407E-A947-70E740481C1C}">
                 <a14:useLocalDpi xmlns:a14="http://schemas.microsoft.com/office/drawing/2010/main" val="0"/>
@@ -4969,6 +5401,28 @@
   <p:clrMapOvr>
     <a:masterClrMapping/>
   </p:clrMapOvr>
+  <mc:AlternateContent xmlns:mc="http://schemas.openxmlformats.org/markup-compatibility/2006">
+    <mc:Choice xmlns:p15="http://schemas.microsoft.com/office/powerpoint/2012/main" Requires="p15">
+      <p:transition xmlns:p14="http://schemas.microsoft.com/office/powerpoint/2010/main" p14:dur="250" advTm="7913">
+        <p15:prstTrans prst="peelOff"/>
+        <p:sndAc>
+          <p:stSnd>
+            <p:snd r:embed="rId2" name="breeze.wav"/>
+          </p:stSnd>
+        </p:sndAc>
+      </p:transition>
+    </mc:Choice>
+    <mc:Fallback>
+      <p:transition advTm="7913">
+        <p:fade/>
+        <p:sndAc>
+          <p:stSnd>
+            <p:snd r:embed="rId2" name="breeze.wav"/>
+          </p:stSnd>
+        </p:sndAc>
+      </p:transition>
+    </mc:Fallback>
+  </mc:AlternateContent>
 </p:sld>
 </file>
 
